--- a/ADS-pre.pptx
+++ b/ADS-pre.pptx
@@ -3361,7 +3361,7 @@
         <p:spPr>
           <a:xfrm>
             <a:off x="514350" y="2286634"/>
-            <a:ext cx="7200901" cy="1831342"/>
+            <a:ext cx="7200900" cy="1831341"/>
           </a:xfrm>
           <a:prstGeom prst="rect">
             <a:avLst/>
@@ -3762,8 +3762,8 @@
         </p:nvSpPr>
         <p:spPr>
           <a:xfrm>
-            <a:off x="939800" y="7615502"/>
-            <a:ext cx="332185" cy="334698"/>
+            <a:off x="939800" y="7615501"/>
+            <a:ext cx="332185" cy="334699"/>
           </a:xfrm>
           <a:prstGeom prst="rect">
             <a:avLst/>
@@ -4119,7 +4119,7 @@
         </p:blipFill>
         <p:spPr>
           <a:xfrm>
-            <a:off x="2639537" y="2616890"/>
+            <a:off x="2639537" y="2406152"/>
             <a:ext cx="7725726" cy="2422801"/>
           </a:xfrm>
           <a:prstGeom prst="rect">
@@ -4132,7 +4132,7 @@
       </p:pic>
       <p:pic>
         <p:nvPicPr>
-          <p:cNvPr id="102" name="pasted-image.png"/>
+          <p:cNvPr id="102" name="mmexport1555379111641.png"/>
           <p:cNvPicPr/>
           <p:nvPr/>
         </p:nvPicPr>
@@ -4146,8 +4146,8 @@
         </p:blipFill>
         <p:spPr>
           <a:xfrm>
-            <a:off x="0" y="5637281"/>
-            <a:ext cx="13004801" cy="2086764"/>
+            <a:off x="0" y="5057054"/>
+            <a:ext cx="13004800" cy="3255553"/>
           </a:xfrm>
           <a:prstGeom prst="rect">
             <a:avLst/>
@@ -4362,7 +4362,7 @@
         <p:spPr>
           <a:xfrm>
             <a:off x="7052733" y="2628900"/>
-            <a:ext cx="5364759" cy="6096000"/>
+            <a:ext cx="5364758" cy="6096000"/>
           </a:xfrm>
           <a:prstGeom prst="rect">
             <a:avLst/>
@@ -5444,7 +5444,7 @@
         <p:spPr>
           <a:xfrm>
             <a:off x="508000" y="2178050"/>
-            <a:ext cx="11988801" cy="6350001"/>
+            <a:ext cx="11988801" cy="6350000"/>
           </a:xfrm>
           <a:prstGeom prst="rect">
             <a:avLst/>
